--- a/19_useCallback.pptx
+++ b/19_useCallback.pptx
@@ -16,6 +16,7 @@
     <p:sldId id="404" r:id="rId10"/>
     <p:sldId id="405" r:id="rId11"/>
     <p:sldId id="406" r:id="rId12"/>
+    <p:sldId id="407" r:id="rId13"/>
   </p:sldIdLst>
   <p:sldSz cx="12192000" cy="6858000"/>
   <p:notesSz cx="6858000" cy="9144000"/>
@@ -3534,6 +3535,173 @@
 </p:sld>
 </file>
 
+<file path=ppt/slides/slide12.xml><?xml version="1.0" encoding="utf-8"?>
+<p:sld xmlns:a="http://schemas.openxmlformats.org/drawingml/2006/main" xmlns:r="http://schemas.openxmlformats.org/officeDocument/2006/relationships" xmlns:p="http://schemas.openxmlformats.org/presentationml/2006/main">
+  <p:cSld>
+    <p:spTree>
+      <p:nvGrpSpPr>
+        <p:cNvPr id="1" name=""/>
+        <p:cNvGrpSpPr/>
+        <p:nvPr/>
+      </p:nvGrpSpPr>
+      <p:grpSpPr>
+        <a:xfrm>
+          <a:off x="0" y="0"/>
+          <a:ext cx="0" cy="0"/>
+          <a:chOff x="0" y="0"/>
+          <a:chExt cx="0" cy="0"/>
+        </a:xfrm>
+      </p:grpSpPr>
+      <p:sp>
+        <p:nvSpPr>
+          <p:cNvPr id="2" name="Title 1"/>
+          <p:cNvSpPr>
+            <a:spLocks noGrp="1"/>
+          </p:cNvSpPr>
+          <p:nvPr>
+            <p:ph type="title"/>
+          </p:nvPr>
+        </p:nvSpPr>
+        <p:spPr/>
+        <p:txBody>
+          <a:bodyPr>
+            <a:normAutofit/>
+          </a:bodyPr>
+          <a:lstStyle/>
+          <a:p>
+            <a:r>
+              <a:rPr lang="en-US" dirty="0" smtClean="0">
+                <a:latin typeface="Tahoma" panose="020B0604030504040204" pitchFamily="34" charset="0"/>
+                <a:ea typeface="Tahoma" panose="020B0604030504040204" pitchFamily="34" charset="0"/>
+                <a:cs typeface="Tahoma" panose="020B0604030504040204" pitchFamily="34" charset="0"/>
+              </a:rPr>
+              <a:t>Bài toán</a:t>
+            </a:r>
+            <a:endParaRPr lang="en-US" dirty="0">
+              <a:latin typeface="Tahoma" panose="020B0604030504040204" pitchFamily="34" charset="0"/>
+              <a:ea typeface="Tahoma" panose="020B0604030504040204" pitchFamily="34" charset="0"/>
+              <a:cs typeface="Tahoma" panose="020B0604030504040204" pitchFamily="34" charset="0"/>
+            </a:endParaRPr>
+          </a:p>
+        </p:txBody>
+      </p:sp>
+      <p:sp>
+        <p:nvSpPr>
+          <p:cNvPr id="3" name="Content Placeholder 2"/>
+          <p:cNvSpPr>
+            <a:spLocks noGrp="1"/>
+          </p:cNvSpPr>
+          <p:nvPr>
+            <p:ph idx="1"/>
+          </p:nvPr>
+        </p:nvSpPr>
+        <p:spPr>
+          <a:xfrm>
+            <a:off x="2231136" y="2638044"/>
+            <a:ext cx="7729728" cy="3679629"/>
+          </a:xfrm>
+        </p:spPr>
+        <p:txBody>
+          <a:bodyPr>
+            <a:normAutofit/>
+          </a:bodyPr>
+          <a:lstStyle/>
+          <a:p>
+            <a:r>
+              <a:rPr lang="en-US" dirty="0">
+                <a:latin typeface="Tahoma" panose="020B0604030504040204" pitchFamily="34" charset="0"/>
+                <a:ea typeface="Tahoma" panose="020B0604030504040204" pitchFamily="34" charset="0"/>
+                <a:cs typeface="Tahoma" panose="020B0604030504040204" pitchFamily="34" charset="0"/>
+                <a:hlinkClick r:id="rId2"/>
+              </a:rPr>
+              <a:t>https://</a:t>
+            </a:r>
+            <a:r>
+              <a:rPr lang="en-US" dirty="0" smtClean="0">
+                <a:latin typeface="Tahoma" panose="020B0604030504040204" pitchFamily="34" charset="0"/>
+                <a:ea typeface="Tahoma" panose="020B0604030504040204" pitchFamily="34" charset="0"/>
+                <a:cs typeface="Tahoma" panose="020B0604030504040204" pitchFamily="34" charset="0"/>
+                <a:hlinkClick r:id="rId2"/>
+              </a:rPr>
+              <a:t>jsonplaceholder.typicode.com/comments?id=1</a:t>
+            </a:r>
+            <a:endParaRPr lang="en-US" dirty="0" smtClean="0">
+              <a:latin typeface="Tahoma" panose="020B0604030504040204" pitchFamily="34" charset="0"/>
+              <a:ea typeface="Tahoma" panose="020B0604030504040204" pitchFamily="34" charset="0"/>
+              <a:cs typeface="Tahoma" panose="020B0604030504040204" pitchFamily="34" charset="0"/>
+            </a:endParaRPr>
+          </a:p>
+          <a:p>
+            <a:r>
+              <a:rPr lang="en-US" dirty="0">
+                <a:latin typeface="Tahoma" panose="020B0604030504040204" pitchFamily="34" charset="0"/>
+                <a:ea typeface="Tahoma" panose="020B0604030504040204" pitchFamily="34" charset="0"/>
+                <a:cs typeface="Tahoma" panose="020B0604030504040204" pitchFamily="34" charset="0"/>
+                <a:hlinkClick r:id="rId3"/>
+              </a:rPr>
+              <a:t>https://</a:t>
+            </a:r>
+            <a:r>
+              <a:rPr lang="en-US" dirty="0" smtClean="0">
+                <a:latin typeface="Tahoma" panose="020B0604030504040204" pitchFamily="34" charset="0"/>
+                <a:ea typeface="Tahoma" panose="020B0604030504040204" pitchFamily="34" charset="0"/>
+                <a:cs typeface="Tahoma" panose="020B0604030504040204" pitchFamily="34" charset="0"/>
+                <a:hlinkClick r:id="rId3"/>
+              </a:rPr>
+              <a:t>jsonplaceholder.typicode.com/users?id=2</a:t>
+            </a:r>
+            <a:endParaRPr lang="en-US" dirty="0" smtClean="0">
+              <a:latin typeface="Tahoma" panose="020B0604030504040204" pitchFamily="34" charset="0"/>
+              <a:ea typeface="Tahoma" panose="020B0604030504040204" pitchFamily="34" charset="0"/>
+              <a:cs typeface="Tahoma" panose="020B0604030504040204" pitchFamily="34" charset="0"/>
+            </a:endParaRPr>
+          </a:p>
+          <a:p>
+            <a:endParaRPr lang="en-US" dirty="0">
+              <a:latin typeface="Tahoma" panose="020B0604030504040204" pitchFamily="34" charset="0"/>
+              <a:ea typeface="Tahoma" panose="020B0604030504040204" pitchFamily="34" charset="0"/>
+              <a:cs typeface="Tahoma" panose="020B0604030504040204" pitchFamily="34" charset="0"/>
+            </a:endParaRPr>
+          </a:p>
+        </p:txBody>
+      </p:sp>
+      <p:pic>
+        <p:nvPicPr>
+          <p:cNvPr id="4" name="Picture 3"/>
+          <p:cNvPicPr>
+            <a:picLocks noChangeAspect="1"/>
+          </p:cNvPicPr>
+          <p:nvPr/>
+        </p:nvPicPr>
+        <p:blipFill>
+          <a:blip r:embed="rId4"/>
+          <a:stretch>
+            <a:fillRect/>
+          </a:stretch>
+        </p:blipFill>
+        <p:spPr>
+          <a:xfrm>
+            <a:off x="4900612" y="3615845"/>
+            <a:ext cx="2390775" cy="1724025"/>
+          </a:xfrm>
+          <a:prstGeom prst="rect">
+            <a:avLst/>
+          </a:prstGeom>
+        </p:spPr>
+      </p:pic>
+    </p:spTree>
+    <p:extLst>
+      <p:ext uri="{BB962C8B-B14F-4D97-AF65-F5344CB8AC3E}">
+        <p14:creationId xmlns:p14="http://schemas.microsoft.com/office/powerpoint/2010/main" val="1766756495"/>
+      </p:ext>
+    </p:extLst>
+  </p:cSld>
+  <p:clrMapOvr>
+    <a:masterClrMapping/>
+  </p:clrMapOvr>
+</p:sld>
+</file>
+
 <file path=ppt/slides/slide2.xml><?xml version="1.0" encoding="utf-8"?>
 <p:sld xmlns:a="http://schemas.openxmlformats.org/drawingml/2006/main" xmlns:r="http://schemas.openxmlformats.org/officeDocument/2006/relationships" xmlns:p="http://schemas.openxmlformats.org/presentationml/2006/main">
   <p:cSld>
@@ -5604,11 +5772,6 @@
               </a:rPr>
               <a:t>Note: == chỉ so sánh giá trị, === so sánh giá trị, kiểu dữ liệu, địa chỉ ô nhớ</a:t>
             </a:r>
-            <a:endParaRPr lang="en-US" sz="1800" dirty="0" smtClean="0">
-              <a:latin typeface="Tahoma" panose="020B0604030504040204" pitchFamily="34" charset="0"/>
-              <a:ea typeface="Tahoma" panose="020B0604030504040204" pitchFamily="34" charset="0"/>
-              <a:cs typeface="Tahoma" panose="020B0604030504040204" pitchFamily="34" charset="0"/>
-            </a:endParaRPr>
           </a:p>
         </p:txBody>
       </p:sp>
@@ -5667,11 +5830,6 @@
               </a:rPr>
               <a:t>Primitive type vs Reference type</a:t>
             </a:r>
-            <a:endParaRPr lang="en-US" dirty="0">
-              <a:latin typeface="Tahoma" panose="020B0604030504040204" pitchFamily="34" charset="0"/>
-              <a:ea typeface="Tahoma" panose="020B0604030504040204" pitchFamily="34" charset="0"/>
-              <a:cs typeface="Tahoma" panose="020B0604030504040204" pitchFamily="34" charset="0"/>
-            </a:endParaRPr>
           </a:p>
         </p:txBody>
       </p:sp>
@@ -5881,11 +6039,6 @@
               </a:rPr>
               <a:t>Primitive type vs Reference type</a:t>
             </a:r>
-            <a:endParaRPr lang="en-US" dirty="0">
-              <a:latin typeface="Tahoma" panose="020B0604030504040204" pitchFamily="34" charset="0"/>
-              <a:ea typeface="Tahoma" panose="020B0604030504040204" pitchFamily="34" charset="0"/>
-              <a:cs typeface="Tahoma" panose="020B0604030504040204" pitchFamily="34" charset="0"/>
-            </a:endParaRPr>
           </a:p>
         </p:txBody>
       </p:sp>
